--- a/docs/step_3.pptx
+++ b/docs/step_3.pptx
@@ -9,7 +9,8 @@
     <p:sldId id="258" r:id="rId3"/>
     <p:sldId id="259" r:id="rId4"/>
     <p:sldId id="261" r:id="rId5"/>
-    <p:sldId id="260" r:id="rId6"/>
+    <p:sldId id="262" r:id="rId6"/>
+    <p:sldId id="260" r:id="rId7"/>
   </p:sldIdLst>
   <p:sldSz cx="12192000" cy="6858000"/>
   <p:notesSz cx="6858000" cy="9144000"/>
@@ -263,7 +264,7 @@
           <a:p>
             <a:fld id="{4EA3EBB6-1614-4591-BB91-7C1C6E332B5C}" type="datetimeFigureOut">
               <a:rPr lang="ru-RU" smtClean="0"/>
-              <a:t>20.12.2018</a:t>
+              <a:t>21.12.2018</a:t>
             </a:fld>
             <a:endParaRPr lang="ru-RU"/>
           </a:p>
@@ -461,7 +462,7 @@
           <a:p>
             <a:fld id="{4EA3EBB6-1614-4591-BB91-7C1C6E332B5C}" type="datetimeFigureOut">
               <a:rPr lang="ru-RU" smtClean="0"/>
-              <a:t>20.12.2018</a:t>
+              <a:t>21.12.2018</a:t>
             </a:fld>
             <a:endParaRPr lang="ru-RU"/>
           </a:p>
@@ -669,7 +670,7 @@
           <a:p>
             <a:fld id="{4EA3EBB6-1614-4591-BB91-7C1C6E332B5C}" type="datetimeFigureOut">
               <a:rPr lang="ru-RU" smtClean="0"/>
-              <a:t>20.12.2018</a:t>
+              <a:t>21.12.2018</a:t>
             </a:fld>
             <a:endParaRPr lang="ru-RU"/>
           </a:p>
@@ -867,7 +868,7 @@
           <a:p>
             <a:fld id="{4EA3EBB6-1614-4591-BB91-7C1C6E332B5C}" type="datetimeFigureOut">
               <a:rPr lang="ru-RU" smtClean="0"/>
-              <a:t>20.12.2018</a:t>
+              <a:t>21.12.2018</a:t>
             </a:fld>
             <a:endParaRPr lang="ru-RU"/>
           </a:p>
@@ -1142,7 +1143,7 @@
           <a:p>
             <a:fld id="{4EA3EBB6-1614-4591-BB91-7C1C6E332B5C}" type="datetimeFigureOut">
               <a:rPr lang="ru-RU" smtClean="0"/>
-              <a:t>20.12.2018</a:t>
+              <a:t>21.12.2018</a:t>
             </a:fld>
             <a:endParaRPr lang="ru-RU"/>
           </a:p>
@@ -1407,7 +1408,7 @@
           <a:p>
             <a:fld id="{4EA3EBB6-1614-4591-BB91-7C1C6E332B5C}" type="datetimeFigureOut">
               <a:rPr lang="ru-RU" smtClean="0"/>
-              <a:t>20.12.2018</a:t>
+              <a:t>21.12.2018</a:t>
             </a:fld>
             <a:endParaRPr lang="ru-RU"/>
           </a:p>
@@ -1824,7 +1825,7 @@
           <a:p>
             <a:fld id="{4EA3EBB6-1614-4591-BB91-7C1C6E332B5C}" type="datetimeFigureOut">
               <a:rPr lang="ru-RU" smtClean="0"/>
-              <a:t>20.12.2018</a:t>
+              <a:t>21.12.2018</a:t>
             </a:fld>
             <a:endParaRPr lang="ru-RU"/>
           </a:p>
@@ -1970,7 +1971,7 @@
           <a:p>
             <a:fld id="{4EA3EBB6-1614-4591-BB91-7C1C6E332B5C}" type="datetimeFigureOut">
               <a:rPr lang="ru-RU" smtClean="0"/>
-              <a:t>20.12.2018</a:t>
+              <a:t>21.12.2018</a:t>
             </a:fld>
             <a:endParaRPr lang="ru-RU"/>
           </a:p>
@@ -2083,7 +2084,7 @@
           <a:p>
             <a:fld id="{4EA3EBB6-1614-4591-BB91-7C1C6E332B5C}" type="datetimeFigureOut">
               <a:rPr lang="ru-RU" smtClean="0"/>
-              <a:t>20.12.2018</a:t>
+              <a:t>21.12.2018</a:t>
             </a:fld>
             <a:endParaRPr lang="ru-RU"/>
           </a:p>
@@ -2394,7 +2395,7 @@
           <a:p>
             <a:fld id="{4EA3EBB6-1614-4591-BB91-7C1C6E332B5C}" type="datetimeFigureOut">
               <a:rPr lang="ru-RU" smtClean="0"/>
-              <a:t>20.12.2018</a:t>
+              <a:t>21.12.2018</a:t>
             </a:fld>
             <a:endParaRPr lang="ru-RU"/>
           </a:p>
@@ -2687,7 +2688,7 @@
           <a:p>
             <a:fld id="{4EA3EBB6-1614-4591-BB91-7C1C6E332B5C}" type="datetimeFigureOut">
               <a:rPr lang="ru-RU" smtClean="0"/>
-              <a:t>20.12.2018</a:t>
+              <a:t>21.12.2018</a:t>
             </a:fld>
             <a:endParaRPr lang="ru-RU"/>
           </a:p>
@@ -2928,7 +2929,7 @@
           <a:p>
             <a:fld id="{4EA3EBB6-1614-4591-BB91-7C1C6E332B5C}" type="datetimeFigureOut">
               <a:rPr lang="ru-RU" smtClean="0"/>
-              <a:t>20.12.2018</a:t>
+              <a:t>21.12.2018</a:t>
             </a:fld>
             <a:endParaRPr lang="ru-RU"/>
           </a:p>
@@ -3487,27 +3488,7 @@
               <a:rPr lang="ru-RU" dirty="0">
                 <a:latin typeface="+mj-lt"/>
               </a:rPr>
-              <a:t>Реализован </a:t>
-            </a:r>
-            <a:r>
-              <a:rPr lang="ru-RU" dirty="0" err="1">
-                <a:latin typeface="+mj-lt"/>
-              </a:rPr>
-              <a:t>предпросмотр</a:t>
-            </a:r>
-            <a:r>
-              <a:rPr lang="ru-RU" dirty="0">
-                <a:latin typeface="+mj-lt"/>
-              </a:rPr>
-              <a:t> без предварительного рендеринга</a:t>
-            </a:r>
-          </a:p>
-          <a:p>
-            <a:r>
-              <a:rPr lang="ru-RU" dirty="0">
-                <a:latin typeface="+mj-lt"/>
-              </a:rPr>
-              <a:t>Перенести части функционала с главного экрана в меню</a:t>
+              <a:t>Перенести часть функционала с главного экрана в меню</a:t>
             </a:r>
             <a:r>
               <a:rPr lang="en-US" dirty="0">
@@ -3541,8 +3522,43 @@
               <a:rPr lang="ru-RU" dirty="0">
                 <a:latin typeface="+mj-lt"/>
               </a:rPr>
-              <a:t>Провести тестирование</a:t>
-            </a:r>
+              <a:t>Провести тестирование </a:t>
+            </a:r>
+            <a:r>
+              <a:rPr lang="en-US" dirty="0">
+                <a:latin typeface="+mj-lt"/>
+              </a:rPr>
+              <a:t>API</a:t>
+            </a:r>
+            <a:r>
+              <a:rPr lang="ru-RU" dirty="0">
+                <a:latin typeface="+mj-lt"/>
+              </a:rPr>
+              <a:t> и </a:t>
+            </a:r>
+            <a:r>
+              <a:rPr lang="en-US" dirty="0">
+                <a:latin typeface="+mj-lt"/>
+              </a:rPr>
+              <a:t>CLI</a:t>
+            </a:r>
+          </a:p>
+          <a:p>
+            <a:r>
+              <a:rPr lang="ru-RU" dirty="0">
+                <a:latin typeface="+mj-lt"/>
+              </a:rPr>
+              <a:t>Провести тестирование </a:t>
+            </a:r>
+            <a:r>
+              <a:rPr lang="en-US" dirty="0">
+                <a:latin typeface="+mj-lt"/>
+              </a:rPr>
+              <a:t>GUI</a:t>
+            </a:r>
+            <a:endParaRPr lang="ru-RU" dirty="0">
+              <a:latin typeface="+mj-lt"/>
+            </a:endParaRPr>
           </a:p>
           <a:p>
             <a:endParaRPr lang="ru-RU" dirty="0">
@@ -3612,26 +3628,49 @@
             <a:pPr algn="ctr"/>
             <a:r>
               <a:rPr lang="ru-RU" dirty="0"/>
-              <a:t>Изменения в интерфейсе</a:t>
-            </a:r>
+              <a:t>Интерфейсе</a:t>
+            </a:r>
+          </a:p>
+        </p:txBody>
+      </p:sp>
+      <p:sp>
+        <p:nvSpPr>
+          <p:cNvPr id="4" name="Объект 3">
+            <a:extLst>
+              <a:ext uri="{FF2B5EF4-FFF2-40B4-BE49-F238E27FC236}">
+                <a16:creationId xmlns:a16="http://schemas.microsoft.com/office/drawing/2014/main" id="{175EACE1-C6B7-994B-A743-E55F11EBD9E8}"/>
+              </a:ext>
+            </a:extLst>
+          </p:cNvPr>
+          <p:cNvSpPr>
+            <a:spLocks noGrp="1"/>
+          </p:cNvSpPr>
+          <p:nvPr>
+            <p:ph idx="1"/>
+          </p:nvPr>
+        </p:nvSpPr>
+        <p:spPr/>
+        <p:txBody>
+          <a:bodyPr/>
+          <a:lstStyle/>
+          <a:p>
+            <a:endParaRPr lang="ru-RU" dirty="0"/>
           </a:p>
         </p:txBody>
       </p:sp>
       <p:pic>
         <p:nvPicPr>
-          <p:cNvPr id="7" name="Объект 6">
-            <a:extLst>
-              <a:ext uri="{FF2B5EF4-FFF2-40B4-BE49-F238E27FC236}">
-                <a16:creationId xmlns:a16="http://schemas.microsoft.com/office/drawing/2014/main" id="{D1BFFC13-C74C-DF46-AB20-EACA37CA05C8}"/>
+          <p:cNvPr id="8" name="Объект 8">
+            <a:extLst>
+              <a:ext uri="{FF2B5EF4-FFF2-40B4-BE49-F238E27FC236}">
+                <a16:creationId xmlns:a16="http://schemas.microsoft.com/office/drawing/2014/main" id="{998E1726-5B94-CA42-8A27-DF6339F6E270}"/>
               </a:ext>
             </a:extLst>
           </p:cNvPr>
           <p:cNvPicPr>
-            <a:picLocks noGrp="1" noChangeAspect="1"/>
+            <a:picLocks noChangeAspect="1"/>
           </p:cNvPicPr>
-          <p:nvPr>
-            <p:ph idx="1"/>
-          </p:nvPr>
+          <p:nvPr/>
         </p:nvPicPr>
         <p:blipFill>
           <a:blip r:embed="rId2">
@@ -3647,9 +3686,12 @@
         </p:blipFill>
         <p:spPr>
           <a:xfrm>
-            <a:off x="3127978" y="846677"/>
-            <a:ext cx="5936044" cy="5893544"/>
+            <a:off x="1119573" y="1129732"/>
+            <a:ext cx="9952854" cy="4859792"/>
           </a:xfrm>
+          <a:prstGeom prst="rect">
+            <a:avLst/>
+          </a:prstGeom>
         </p:spPr>
       </p:pic>
     </p:spTree>
@@ -3715,15 +3757,20 @@
               <a:rPr lang="ru-RU" dirty="0"/>
               <a:t>Результаты тестирования</a:t>
             </a:r>
-          </a:p>
-        </p:txBody>
-      </p:sp>
-      <p:sp>
-        <p:nvSpPr>
-          <p:cNvPr id="4" name="Объект 3">
-            <a:extLst>
-              <a:ext uri="{FF2B5EF4-FFF2-40B4-BE49-F238E27FC236}">
-                <a16:creationId xmlns:a16="http://schemas.microsoft.com/office/drawing/2014/main" id="{F62CF462-C928-FD46-8957-F28AD4444B30}"/>
+            <a:r>
+              <a:rPr lang="en-US" dirty="0"/>
+              <a:t> API</a:t>
+            </a:r>
+            <a:endParaRPr lang="ru-RU" dirty="0"/>
+          </a:p>
+        </p:txBody>
+      </p:sp>
+      <p:sp>
+        <p:nvSpPr>
+          <p:cNvPr id="10" name="Объект 9">
+            <a:extLst>
+              <a:ext uri="{FF2B5EF4-FFF2-40B4-BE49-F238E27FC236}">
+                <a16:creationId xmlns:a16="http://schemas.microsoft.com/office/drawing/2014/main" id="{4882E21A-795B-ED4F-B9CF-CEA6134C1CF8}"/>
               </a:ext>
             </a:extLst>
           </p:cNvPr>
@@ -3743,6 +3790,36 @@
           </a:p>
         </p:txBody>
       </p:sp>
+      <p:pic>
+        <p:nvPicPr>
+          <p:cNvPr id="11" name="Рисунок 10">
+            <a:extLst>
+              <a:ext uri="{FF2B5EF4-FFF2-40B4-BE49-F238E27FC236}">
+                <a16:creationId xmlns:a16="http://schemas.microsoft.com/office/drawing/2014/main" id="{6466F9FF-3672-674A-B3AC-3BCF44294BA9}"/>
+              </a:ext>
+            </a:extLst>
+          </p:cNvPr>
+          <p:cNvPicPr>
+            <a:picLocks noChangeAspect="1"/>
+          </p:cNvPicPr>
+          <p:nvPr/>
+        </p:nvPicPr>
+        <p:blipFill>
+          <a:blip r:embed="rId2"/>
+          <a:stretch>
+            <a:fillRect/>
+          </a:stretch>
+        </p:blipFill>
+        <p:spPr>
+          <a:xfrm>
+            <a:off x="8708" y="1063162"/>
+            <a:ext cx="12183291" cy="5076371"/>
+          </a:xfrm>
+          <a:prstGeom prst="rect">
+            <a:avLst/>
+          </a:prstGeom>
+        </p:spPr>
+      </p:pic>
     </p:spTree>
     <p:extLst>
       <p:ext uri="{BB962C8B-B14F-4D97-AF65-F5344CB8AC3E}">
@@ -3757,6 +3834,132 @@
 </file>
 
 <file path=ppt/slides/slide5.xml><?xml version="1.0" encoding="utf-8"?>
+<p:sld xmlns:a="http://schemas.openxmlformats.org/drawingml/2006/main" xmlns:r="http://schemas.openxmlformats.org/officeDocument/2006/relationships" xmlns:p="http://schemas.openxmlformats.org/presentationml/2006/main">
+  <p:cSld>
+    <p:spTree>
+      <p:nvGrpSpPr>
+        <p:cNvPr id="1" name=""/>
+        <p:cNvGrpSpPr/>
+        <p:nvPr/>
+      </p:nvGrpSpPr>
+      <p:grpSpPr>
+        <a:xfrm>
+          <a:off x="0" y="0"/>
+          <a:ext cx="0" cy="0"/>
+          <a:chOff x="0" y="0"/>
+          <a:chExt cx="0" cy="0"/>
+        </a:xfrm>
+      </p:grpSpPr>
+      <p:sp>
+        <p:nvSpPr>
+          <p:cNvPr id="2" name="Заголовок 1">
+            <a:extLst>
+              <a:ext uri="{FF2B5EF4-FFF2-40B4-BE49-F238E27FC236}">
+                <a16:creationId xmlns:a16="http://schemas.microsoft.com/office/drawing/2014/main" id="{25653A06-64CF-463B-B15B-4FE64FD3C2D6}"/>
+              </a:ext>
+            </a:extLst>
+          </p:cNvPr>
+          <p:cNvSpPr>
+            <a:spLocks noGrp="1"/>
+          </p:cNvSpPr>
+          <p:nvPr>
+            <p:ph type="title"/>
+          </p:nvPr>
+        </p:nvSpPr>
+        <p:spPr>
+          <a:xfrm>
+            <a:off x="-1" y="1"/>
+            <a:ext cx="12118019" cy="846676"/>
+          </a:xfrm>
+        </p:spPr>
+        <p:txBody>
+          <a:bodyPr>
+            <a:normAutofit/>
+          </a:bodyPr>
+          <a:lstStyle/>
+          <a:p>
+            <a:pPr algn="ctr"/>
+            <a:r>
+              <a:rPr lang="ru-RU" dirty="0"/>
+              <a:t>Результаты тестирования</a:t>
+            </a:r>
+            <a:r>
+              <a:rPr lang="en-US" dirty="0"/>
+              <a:t> GUI</a:t>
+            </a:r>
+            <a:endParaRPr lang="ru-RU" dirty="0"/>
+          </a:p>
+        </p:txBody>
+      </p:sp>
+      <p:sp>
+        <p:nvSpPr>
+          <p:cNvPr id="10" name="Объект 9">
+            <a:extLst>
+              <a:ext uri="{FF2B5EF4-FFF2-40B4-BE49-F238E27FC236}">
+                <a16:creationId xmlns:a16="http://schemas.microsoft.com/office/drawing/2014/main" id="{4882E21A-795B-ED4F-B9CF-CEA6134C1CF8}"/>
+              </a:ext>
+            </a:extLst>
+          </p:cNvPr>
+          <p:cNvSpPr>
+            <a:spLocks noGrp="1"/>
+          </p:cNvSpPr>
+          <p:nvPr>
+            <p:ph idx="1"/>
+          </p:nvPr>
+        </p:nvSpPr>
+        <p:spPr/>
+        <p:txBody>
+          <a:bodyPr/>
+          <a:lstStyle/>
+          <a:p>
+            <a:endParaRPr lang="ru-RU"/>
+          </a:p>
+        </p:txBody>
+      </p:sp>
+      <p:pic>
+        <p:nvPicPr>
+          <p:cNvPr id="3" name="Рисунок 2">
+            <a:extLst>
+              <a:ext uri="{FF2B5EF4-FFF2-40B4-BE49-F238E27FC236}">
+                <a16:creationId xmlns:a16="http://schemas.microsoft.com/office/drawing/2014/main" id="{D73C9BC8-155B-AC48-A187-E79CA6811271}"/>
+              </a:ext>
+            </a:extLst>
+          </p:cNvPr>
+          <p:cNvPicPr>
+            <a:picLocks noChangeAspect="1"/>
+          </p:cNvPicPr>
+          <p:nvPr/>
+        </p:nvPicPr>
+        <p:blipFill>
+          <a:blip r:embed="rId2"/>
+          <a:stretch>
+            <a:fillRect/>
+          </a:stretch>
+        </p:blipFill>
+        <p:spPr>
+          <a:xfrm>
+            <a:off x="-270" y="1064077"/>
+            <a:ext cx="12164462" cy="3605894"/>
+          </a:xfrm>
+          <a:prstGeom prst="rect">
+            <a:avLst/>
+          </a:prstGeom>
+        </p:spPr>
+      </p:pic>
+    </p:spTree>
+    <p:extLst>
+      <p:ext uri="{BB962C8B-B14F-4D97-AF65-F5344CB8AC3E}">
+        <p14:creationId xmlns:p14="http://schemas.microsoft.com/office/powerpoint/2010/main" val="3318314583"/>
+      </p:ext>
+    </p:extLst>
+  </p:cSld>
+  <p:clrMapOvr>
+    <a:masterClrMapping/>
+  </p:clrMapOvr>
+</p:sld>
+</file>
+
+<file path=ppt/slides/slide6.xml><?xml version="1.0" encoding="utf-8"?>
 <p:sld xmlns:a="http://schemas.openxmlformats.org/drawingml/2006/main" xmlns:r="http://schemas.openxmlformats.org/officeDocument/2006/relationships" xmlns:p="http://schemas.openxmlformats.org/presentationml/2006/main">
   <p:cSld>
     <p:spTree>
